--- a/Database Administrator/Module1-Artificial Intelligence & Big Data Analytics – An Introduction/1.3-DemystifyingAI(2th-2p)/DemystifyingAI.pptx
+++ b/Database Administrator/Module1-Artificial Intelligence & Big Data Analytics – An Introduction/1.3-DemystifyingAI(2th-2p)/DemystifyingAI.pptx
@@ -5,16 +5,20 @@
     <p:sldMasterId id="2147483648" r:id="rId1"/>
   </p:sldMasterIdLst>
   <p:notesMasterIdLst>
-    <p:notesMasterId r:id="rId9"/>
+    <p:notesMasterId r:id="rId13"/>
   </p:notesMasterIdLst>
   <p:sldIdLst>
     <p:sldId id="257" r:id="rId2"/>
     <p:sldId id="256" r:id="rId3"/>
     <p:sldId id="259" r:id="rId4"/>
     <p:sldId id="260" r:id="rId5"/>
-    <p:sldId id="262" r:id="rId6"/>
-    <p:sldId id="263" r:id="rId7"/>
-    <p:sldId id="261" r:id="rId8"/>
+    <p:sldId id="264" r:id="rId6"/>
+    <p:sldId id="265" r:id="rId7"/>
+    <p:sldId id="262" r:id="rId8"/>
+    <p:sldId id="266" r:id="rId9"/>
+    <p:sldId id="267" r:id="rId10"/>
+    <p:sldId id="268" r:id="rId11"/>
+    <p:sldId id="261" r:id="rId12"/>
   </p:sldIdLst>
   <p:sldSz cx="12192000" cy="6858000"/>
   <p:notesSz cx="6858000" cy="9144000"/>
@@ -123,6 +127,213 @@
 
 <file path=ppt/changesInfos/changesInfo1.xml><?xml version="1.0" encoding="utf-8"?>
 <pc:chgInfo xmlns:a="http://schemas.openxmlformats.org/drawingml/2006/main" xmlns:r="http://schemas.openxmlformats.org/officeDocument/2006/relationships" xmlns:ac="http://schemas.microsoft.com/office/drawing/2013/main/command" xmlns:pc="http://schemas.microsoft.com/office/powerpoint/2013/main/command">
+  <pc:docChgLst>
+    <pc:chgData name="Krishna Kant Dubey" userId="cd28fa1e1902c48d" providerId="LiveId" clId="{54835323-A6BB-4F45-ACEC-CC8676120CFB}"/>
+    <pc:docChg chg="undo custSel addSld delSld modSld">
+      <pc:chgData name="Krishna Kant Dubey" userId="cd28fa1e1902c48d" providerId="LiveId" clId="{54835323-A6BB-4F45-ACEC-CC8676120CFB}" dt="2025-08-11T07:53:34.963" v="447" actId="2696"/>
+      <pc:docMkLst>
+        <pc:docMk/>
+      </pc:docMkLst>
+      <pc:sldChg chg="addSp modSp">
+        <pc:chgData name="Krishna Kant Dubey" userId="cd28fa1e1902c48d" providerId="LiveId" clId="{54835323-A6BB-4F45-ACEC-CC8676120CFB}" dt="2025-08-11T06:06:32.111" v="0"/>
+        <pc:sldMkLst>
+          <pc:docMk/>
+          <pc:sldMk cId="2381247086" sldId="257"/>
+        </pc:sldMkLst>
+        <pc:picChg chg="add mod">
+          <ac:chgData name="Krishna Kant Dubey" userId="cd28fa1e1902c48d" providerId="LiveId" clId="{54835323-A6BB-4F45-ACEC-CC8676120CFB}" dt="2025-08-11T06:06:32.111" v="0"/>
+          <ac:picMkLst>
+            <pc:docMk/>
+            <pc:sldMk cId="2381247086" sldId="257"/>
+            <ac:picMk id="3" creationId="{02D4915A-F72C-393D-32DF-076599AAFEAB}"/>
+          </ac:picMkLst>
+        </pc:picChg>
+      </pc:sldChg>
+      <pc:sldChg chg="modSp mod">
+        <pc:chgData name="Krishna Kant Dubey" userId="cd28fa1e1902c48d" providerId="LiveId" clId="{54835323-A6BB-4F45-ACEC-CC8676120CFB}" dt="2025-08-11T07:45:05.381" v="354" actId="313"/>
+        <pc:sldMkLst>
+          <pc:docMk/>
+          <pc:sldMk cId="2701513036" sldId="259"/>
+        </pc:sldMkLst>
+        <pc:spChg chg="mod">
+          <ac:chgData name="Krishna Kant Dubey" userId="cd28fa1e1902c48d" providerId="LiveId" clId="{54835323-A6BB-4F45-ACEC-CC8676120CFB}" dt="2025-08-11T07:45:05.381" v="354" actId="313"/>
+          <ac:spMkLst>
+            <pc:docMk/>
+            <pc:sldMk cId="2701513036" sldId="259"/>
+            <ac:spMk id="13" creationId="{459108AF-66D9-CD3C-DDCE-0CFFD70B496D}"/>
+          </ac:spMkLst>
+        </pc:spChg>
+      </pc:sldChg>
+      <pc:sldChg chg="modSp mod">
+        <pc:chgData name="Krishna Kant Dubey" userId="cd28fa1e1902c48d" providerId="LiveId" clId="{54835323-A6BB-4F45-ACEC-CC8676120CFB}" dt="2025-08-11T07:45:20.863" v="358" actId="313"/>
+        <pc:sldMkLst>
+          <pc:docMk/>
+          <pc:sldMk cId="131540703" sldId="260"/>
+        </pc:sldMkLst>
+        <pc:spChg chg="mod">
+          <ac:chgData name="Krishna Kant Dubey" userId="cd28fa1e1902c48d" providerId="LiveId" clId="{54835323-A6BB-4F45-ACEC-CC8676120CFB}" dt="2025-08-11T07:41:26.188" v="287" actId="27636"/>
+          <ac:spMkLst>
+            <pc:docMk/>
+            <pc:sldMk cId="131540703" sldId="260"/>
+            <ac:spMk id="4" creationId="{578CAB42-7D2A-6EDC-C435-EECC86B0DFC6}"/>
+          </ac:spMkLst>
+        </pc:spChg>
+        <pc:spChg chg="mod">
+          <ac:chgData name="Krishna Kant Dubey" userId="cd28fa1e1902c48d" providerId="LiveId" clId="{54835323-A6BB-4F45-ACEC-CC8676120CFB}" dt="2025-08-11T07:45:20.863" v="358" actId="313"/>
+          <ac:spMkLst>
+            <pc:docMk/>
+            <pc:sldMk cId="131540703" sldId="260"/>
+            <ac:spMk id="12" creationId="{14221AC7-70EF-3E78-7957-84141B5AD992}"/>
+          </ac:spMkLst>
+        </pc:spChg>
+      </pc:sldChg>
+      <pc:sldChg chg="modSp mod">
+        <pc:chgData name="Krishna Kant Dubey" userId="cd28fa1e1902c48d" providerId="LiveId" clId="{54835323-A6BB-4F45-ACEC-CC8676120CFB}" dt="2025-08-11T07:48:20.648" v="403" actId="14100"/>
+        <pc:sldMkLst>
+          <pc:docMk/>
+          <pc:sldMk cId="1248854694" sldId="262"/>
+        </pc:sldMkLst>
+        <pc:spChg chg="mod">
+          <ac:chgData name="Krishna Kant Dubey" userId="cd28fa1e1902c48d" providerId="LiveId" clId="{54835323-A6BB-4F45-ACEC-CC8676120CFB}" dt="2025-08-11T07:48:20.648" v="403" actId="14100"/>
+          <ac:spMkLst>
+            <pc:docMk/>
+            <pc:sldMk cId="1248854694" sldId="262"/>
+            <ac:spMk id="4" creationId="{2DC93587-953D-FBE6-A4B6-5060E75B821F}"/>
+          </ac:spMkLst>
+        </pc:spChg>
+        <pc:spChg chg="mod">
+          <ac:chgData name="Krishna Kant Dubey" userId="cd28fa1e1902c48d" providerId="LiveId" clId="{54835323-A6BB-4F45-ACEC-CC8676120CFB}" dt="2025-08-11T07:44:45.520" v="348" actId="313"/>
+          <ac:spMkLst>
+            <pc:docMk/>
+            <pc:sldMk cId="1248854694" sldId="262"/>
+            <ac:spMk id="12" creationId="{5AF4F4BF-6716-49E6-9582-E583D0D30CE3}"/>
+          </ac:spMkLst>
+        </pc:spChg>
+      </pc:sldChg>
+      <pc:sldChg chg="del">
+        <pc:chgData name="Krishna Kant Dubey" userId="cd28fa1e1902c48d" providerId="LiveId" clId="{54835323-A6BB-4F45-ACEC-CC8676120CFB}" dt="2025-08-11T07:53:34.963" v="447" actId="2696"/>
+        <pc:sldMkLst>
+          <pc:docMk/>
+          <pc:sldMk cId="1637126300" sldId="263"/>
+        </pc:sldMkLst>
+      </pc:sldChg>
+      <pc:sldChg chg="modSp add mod">
+        <pc:chgData name="Krishna Kant Dubey" userId="cd28fa1e1902c48d" providerId="LiveId" clId="{54835323-A6BB-4F45-ACEC-CC8676120CFB}" dt="2025-08-11T07:46:10.594" v="362" actId="313"/>
+        <pc:sldMkLst>
+          <pc:docMk/>
+          <pc:sldMk cId="1043910131" sldId="264"/>
+        </pc:sldMkLst>
+        <pc:spChg chg="mod">
+          <ac:chgData name="Krishna Kant Dubey" userId="cd28fa1e1902c48d" providerId="LiveId" clId="{54835323-A6BB-4F45-ACEC-CC8676120CFB}" dt="2025-08-11T07:41:13.521" v="284" actId="255"/>
+          <ac:spMkLst>
+            <pc:docMk/>
+            <pc:sldMk cId="1043910131" sldId="264"/>
+            <ac:spMk id="4" creationId="{DEC53DA1-812C-C049-BB18-81764B700635}"/>
+          </ac:spMkLst>
+        </pc:spChg>
+        <pc:spChg chg="mod">
+          <ac:chgData name="Krishna Kant Dubey" userId="cd28fa1e1902c48d" providerId="LiveId" clId="{54835323-A6BB-4F45-ACEC-CC8676120CFB}" dt="2025-08-11T07:46:10.594" v="362" actId="313"/>
+          <ac:spMkLst>
+            <pc:docMk/>
+            <pc:sldMk cId="1043910131" sldId="264"/>
+            <ac:spMk id="12" creationId="{9D75F710-9E0A-93F1-E4B5-0226F05FAC12}"/>
+          </ac:spMkLst>
+        </pc:spChg>
+      </pc:sldChg>
+      <pc:sldChg chg="modSp add mod">
+        <pc:chgData name="Krishna Kant Dubey" userId="cd28fa1e1902c48d" providerId="LiveId" clId="{54835323-A6BB-4F45-ACEC-CC8676120CFB}" dt="2025-08-11T07:46:20.362" v="364" actId="313"/>
+        <pc:sldMkLst>
+          <pc:docMk/>
+          <pc:sldMk cId="387718867" sldId="265"/>
+        </pc:sldMkLst>
+        <pc:spChg chg="mod">
+          <ac:chgData name="Krishna Kant Dubey" userId="cd28fa1e1902c48d" providerId="LiveId" clId="{54835323-A6BB-4F45-ACEC-CC8676120CFB}" dt="2025-08-11T07:40:45.393" v="282" actId="27636"/>
+          <ac:spMkLst>
+            <pc:docMk/>
+            <pc:sldMk cId="387718867" sldId="265"/>
+            <ac:spMk id="4" creationId="{5A7B62A1-89F8-8109-B054-AF864EB42F09}"/>
+          </ac:spMkLst>
+        </pc:spChg>
+        <pc:spChg chg="mod">
+          <ac:chgData name="Krishna Kant Dubey" userId="cd28fa1e1902c48d" providerId="LiveId" clId="{54835323-A6BB-4F45-ACEC-CC8676120CFB}" dt="2025-08-11T07:46:20.362" v="364" actId="313"/>
+          <ac:spMkLst>
+            <pc:docMk/>
+            <pc:sldMk cId="387718867" sldId="265"/>
+            <ac:spMk id="12" creationId="{B31D8BA1-C062-1621-F365-2F3652B5F09A}"/>
+          </ac:spMkLst>
+        </pc:spChg>
+      </pc:sldChg>
+      <pc:sldChg chg="modSp add mod">
+        <pc:chgData name="Krishna Kant Dubey" userId="cd28fa1e1902c48d" providerId="LiveId" clId="{54835323-A6BB-4F45-ACEC-CC8676120CFB}" dt="2025-08-11T07:44:42.126" v="347" actId="313"/>
+        <pc:sldMkLst>
+          <pc:docMk/>
+          <pc:sldMk cId="698113518" sldId="266"/>
+        </pc:sldMkLst>
+        <pc:spChg chg="mod">
+          <ac:chgData name="Krishna Kant Dubey" userId="cd28fa1e1902c48d" providerId="LiveId" clId="{54835323-A6BB-4F45-ACEC-CC8676120CFB}" dt="2025-08-11T07:44:33.654" v="346" actId="207"/>
+          <ac:spMkLst>
+            <pc:docMk/>
+            <pc:sldMk cId="698113518" sldId="266"/>
+            <ac:spMk id="4" creationId="{70ABD4D6-64C4-3ED4-BC50-DB17D77659C7}"/>
+          </ac:spMkLst>
+        </pc:spChg>
+        <pc:spChg chg="mod">
+          <ac:chgData name="Krishna Kant Dubey" userId="cd28fa1e1902c48d" providerId="LiveId" clId="{54835323-A6BB-4F45-ACEC-CC8676120CFB}" dt="2025-08-11T07:44:42.126" v="347" actId="313"/>
+          <ac:spMkLst>
+            <pc:docMk/>
+            <pc:sldMk cId="698113518" sldId="266"/>
+            <ac:spMk id="12" creationId="{41E1F2B7-A8F4-9792-A769-BBBADA693863}"/>
+          </ac:spMkLst>
+        </pc:spChg>
+      </pc:sldChg>
+      <pc:sldChg chg="modSp add mod">
+        <pc:chgData name="Krishna Kant Dubey" userId="cd28fa1e1902c48d" providerId="LiveId" clId="{54835323-A6BB-4F45-ACEC-CC8676120CFB}" dt="2025-08-11T07:50:48.992" v="426" actId="207"/>
+        <pc:sldMkLst>
+          <pc:docMk/>
+          <pc:sldMk cId="4187359550" sldId="267"/>
+        </pc:sldMkLst>
+        <pc:spChg chg="mod">
+          <ac:chgData name="Krishna Kant Dubey" userId="cd28fa1e1902c48d" providerId="LiveId" clId="{54835323-A6BB-4F45-ACEC-CC8676120CFB}" dt="2025-08-11T07:50:48.992" v="426" actId="207"/>
+          <ac:spMkLst>
+            <pc:docMk/>
+            <pc:sldMk cId="4187359550" sldId="267"/>
+            <ac:spMk id="4" creationId="{751AED49-CAC0-A2C3-7AA4-35441ABB2051}"/>
+          </ac:spMkLst>
+        </pc:spChg>
+        <pc:spChg chg="mod">
+          <ac:chgData name="Krishna Kant Dubey" userId="cd28fa1e1902c48d" providerId="LiveId" clId="{54835323-A6BB-4F45-ACEC-CC8676120CFB}" dt="2025-08-11T07:47:16.797" v="393" actId="20577"/>
+          <ac:spMkLst>
+            <pc:docMk/>
+            <pc:sldMk cId="4187359550" sldId="267"/>
+            <ac:spMk id="12" creationId="{E89011ED-7F2F-B571-C2BA-A17FCD1DF423}"/>
+          </ac:spMkLst>
+        </pc:spChg>
+      </pc:sldChg>
+      <pc:sldChg chg="modSp add mod">
+        <pc:chgData name="Krishna Kant Dubey" userId="cd28fa1e1902c48d" providerId="LiveId" clId="{54835323-A6BB-4F45-ACEC-CC8676120CFB}" dt="2025-08-11T07:52:02.411" v="446" actId="207"/>
+        <pc:sldMkLst>
+          <pc:docMk/>
+          <pc:sldMk cId="1815092219" sldId="268"/>
+        </pc:sldMkLst>
+        <pc:spChg chg="mod">
+          <ac:chgData name="Krishna Kant Dubey" userId="cd28fa1e1902c48d" providerId="LiveId" clId="{54835323-A6BB-4F45-ACEC-CC8676120CFB}" dt="2025-08-11T07:52:02.411" v="446" actId="207"/>
+          <ac:spMkLst>
+            <pc:docMk/>
+            <pc:sldMk cId="1815092219" sldId="268"/>
+            <ac:spMk id="4" creationId="{B98602ED-AFDB-D9B3-96D1-D8C667138953}"/>
+          </ac:spMkLst>
+        </pc:spChg>
+        <pc:spChg chg="mod">
+          <ac:chgData name="Krishna Kant Dubey" userId="cd28fa1e1902c48d" providerId="LiveId" clId="{54835323-A6BB-4F45-ACEC-CC8676120CFB}" dt="2025-08-11T07:47:27.234" v="402" actId="20577"/>
+          <ac:spMkLst>
+            <pc:docMk/>
+            <pc:sldMk cId="1815092219" sldId="268"/>
+            <ac:spMk id="12" creationId="{9C957BA6-0F49-CFCE-25FA-031695B680D7}"/>
+          </ac:spMkLst>
+        </pc:spChg>
+      </pc:sldChg>
+    </pc:docChg>
+  </pc:docChgLst>
   <pc:docChgLst>
     <pc:chgData name="Krishna Kant Dubey" userId="cd28fa1e1902c48d" providerId="LiveId" clId="{FB29EEBE-A4D9-4007-8D30-EE33EDB88D82}"/>
     <pc:docChg chg="modSld">
@@ -273,14 +484,6 @@
           <pc:docMk/>
           <pc:sldMk cId="1637126300" sldId="263"/>
         </pc:sldMkLst>
-        <pc:spChg chg="mod">
-          <ac:chgData name="Krishna Kant Dubey" userId="cd28fa1e1902c48d" providerId="LiveId" clId="{2E678914-E7AC-4D92-9BA0-484F962F056F}" dt="2025-07-30T11:40:23.853" v="33" actId="207"/>
-          <ac:spMkLst>
-            <pc:docMk/>
-            <pc:sldMk cId="1637126300" sldId="263"/>
-            <ac:spMk id="12" creationId="{2B4E6781-7EA4-9A33-3463-A47D8FC593E1}"/>
-          </ac:spMkLst>
-        </pc:spChg>
       </pc:sldChg>
     </pc:docChg>
   </pc:docChgLst>
@@ -460,7 +663,7 @@
           <a:p>
             <a:fld id="{771BC1E5-8BD3-45A8-A8D4-BE6B8D3F526F}" type="datetimeFigureOut">
               <a:rPr lang="en-IN" smtClean="0"/>
-              <a:t>30-07-2025</a:t>
+              <a:t>11-08-2025</a:t>
             </a:fld>
             <a:endParaRPr lang="en-IN"/>
           </a:p>
@@ -877,7 +1080,7 @@
           <a:p>
             <a:fld id="{8B8265E5-5E35-4F50-869B-ACC7CF337DF9}" type="datetimeFigureOut">
               <a:rPr lang="en-IN" smtClean="0"/>
-              <a:t>30-07-2025</a:t>
+              <a:t>11-08-2025</a:t>
             </a:fld>
             <a:endParaRPr lang="en-IN"/>
           </a:p>
@@ -1077,7 +1280,7 @@
           <a:p>
             <a:fld id="{8B8265E5-5E35-4F50-869B-ACC7CF337DF9}" type="datetimeFigureOut">
               <a:rPr lang="en-IN" smtClean="0"/>
-              <a:t>30-07-2025</a:t>
+              <a:t>11-08-2025</a:t>
             </a:fld>
             <a:endParaRPr lang="en-IN"/>
           </a:p>
@@ -1287,7 +1490,7 @@
           <a:p>
             <a:fld id="{8B8265E5-5E35-4F50-869B-ACC7CF337DF9}" type="datetimeFigureOut">
               <a:rPr lang="en-IN" smtClean="0"/>
-              <a:t>30-07-2025</a:t>
+              <a:t>11-08-2025</a:t>
             </a:fld>
             <a:endParaRPr lang="en-IN"/>
           </a:p>
@@ -1487,7 +1690,7 @@
           <a:p>
             <a:fld id="{8B8265E5-5E35-4F50-869B-ACC7CF337DF9}" type="datetimeFigureOut">
               <a:rPr lang="en-IN" smtClean="0"/>
-              <a:t>30-07-2025</a:t>
+              <a:t>11-08-2025</a:t>
             </a:fld>
             <a:endParaRPr lang="en-IN"/>
           </a:p>
@@ -1763,7 +1966,7 @@
           <a:p>
             <a:fld id="{8B8265E5-5E35-4F50-869B-ACC7CF337DF9}" type="datetimeFigureOut">
               <a:rPr lang="en-IN" smtClean="0"/>
-              <a:t>30-07-2025</a:t>
+              <a:t>11-08-2025</a:t>
             </a:fld>
             <a:endParaRPr lang="en-IN"/>
           </a:p>
@@ -2031,7 +2234,7 @@
           <a:p>
             <a:fld id="{8B8265E5-5E35-4F50-869B-ACC7CF337DF9}" type="datetimeFigureOut">
               <a:rPr lang="en-IN" smtClean="0"/>
-              <a:t>30-07-2025</a:t>
+              <a:t>11-08-2025</a:t>
             </a:fld>
             <a:endParaRPr lang="en-IN"/>
           </a:p>
@@ -2446,7 +2649,7 @@
           <a:p>
             <a:fld id="{8B8265E5-5E35-4F50-869B-ACC7CF337DF9}" type="datetimeFigureOut">
               <a:rPr lang="en-IN" smtClean="0"/>
-              <a:t>30-07-2025</a:t>
+              <a:t>11-08-2025</a:t>
             </a:fld>
             <a:endParaRPr lang="en-IN"/>
           </a:p>
@@ -2588,7 +2791,7 @@
           <a:p>
             <a:fld id="{8B8265E5-5E35-4F50-869B-ACC7CF337DF9}" type="datetimeFigureOut">
               <a:rPr lang="en-IN" smtClean="0"/>
-              <a:t>30-07-2025</a:t>
+              <a:t>11-08-2025</a:t>
             </a:fld>
             <a:endParaRPr lang="en-IN"/>
           </a:p>
@@ -2701,7 +2904,7 @@
           <a:p>
             <a:fld id="{8B8265E5-5E35-4F50-869B-ACC7CF337DF9}" type="datetimeFigureOut">
               <a:rPr lang="en-IN" smtClean="0"/>
-              <a:t>30-07-2025</a:t>
+              <a:t>11-08-2025</a:t>
             </a:fld>
             <a:endParaRPr lang="en-IN"/>
           </a:p>
@@ -3014,7 +3217,7 @@
           <a:p>
             <a:fld id="{8B8265E5-5E35-4F50-869B-ACC7CF337DF9}" type="datetimeFigureOut">
               <a:rPr lang="en-IN" smtClean="0"/>
-              <a:t>30-07-2025</a:t>
+              <a:t>11-08-2025</a:t>
             </a:fld>
             <a:endParaRPr lang="en-IN"/>
           </a:p>
@@ -3303,7 +3506,7 @@
           <a:p>
             <a:fld id="{8B8265E5-5E35-4F50-869B-ACC7CF337DF9}" type="datetimeFigureOut">
               <a:rPr lang="en-IN" smtClean="0"/>
-              <a:t>30-07-2025</a:t>
+              <a:t>11-08-2025</a:t>
             </a:fld>
             <a:endParaRPr lang="en-IN"/>
           </a:p>
@@ -3546,7 +3749,7 @@
           <a:p>
             <a:fld id="{8B8265E5-5E35-4F50-869B-ACC7CF337DF9}" type="datetimeFigureOut">
               <a:rPr lang="en-IN" smtClean="0"/>
-              <a:t>30-07-2025</a:t>
+              <a:t>11-08-2025</a:t>
             </a:fld>
             <a:endParaRPr lang="en-IN"/>
           </a:p>
@@ -4095,10 +4298,462 @@
           </a:p>
         </p:txBody>
       </p:sp>
+      <p:pic>
+        <p:nvPicPr>
+          <p:cNvPr id="3" name="Content Placeholder 4">
+            <a:extLst>
+              <a:ext uri="{FF2B5EF4-FFF2-40B4-BE49-F238E27FC236}">
+                <a16:creationId xmlns:a16="http://schemas.microsoft.com/office/drawing/2014/main" id="{02D4915A-F72C-393D-32DF-076599AAFEAB}"/>
+              </a:ext>
+            </a:extLst>
+          </p:cNvPr>
+          <p:cNvPicPr>
+            <a:picLocks noChangeAspect="1"/>
+          </p:cNvPicPr>
+          <p:nvPr/>
+        </p:nvPicPr>
+        <p:blipFill>
+          <a:blip r:embed="rId4">
+            <a:extLst>
+              <a:ext uri="{28A0092B-C50C-407E-A947-70E740481C1C}">
+                <a14:useLocalDpi xmlns:a14="http://schemas.microsoft.com/office/drawing/2010/main" val="0"/>
+              </a:ext>
+            </a:extLst>
+          </a:blip>
+          <a:srcRect/>
+          <a:stretch/>
+        </p:blipFill>
+        <p:spPr>
+          <a:xfrm>
+            <a:off x="0" y="0"/>
+            <a:ext cx="12198095" cy="6858000"/>
+          </a:xfrm>
+          <a:prstGeom prst="rect">
+            <a:avLst/>
+          </a:prstGeom>
+        </p:spPr>
+      </p:pic>
     </p:spTree>
     <p:extLst>
       <p:ext uri="{BB962C8B-B14F-4D97-AF65-F5344CB8AC3E}">
         <p14:creationId xmlns:p14="http://schemas.microsoft.com/office/powerpoint/2010/main" val="2381247086"/>
+      </p:ext>
+    </p:extLst>
+  </p:cSld>
+  <p:clrMapOvr>
+    <a:masterClrMapping/>
+  </p:clrMapOvr>
+</p:sld>
+</file>
+
+<file path=ppt/slides/slide10.xml><?xml version="1.0" encoding="utf-8"?>
+<p:sld xmlns:a="http://schemas.openxmlformats.org/drawingml/2006/main" xmlns:r="http://schemas.openxmlformats.org/officeDocument/2006/relationships" xmlns:p="http://schemas.openxmlformats.org/presentationml/2006/main">
+  <p:cSld>
+    <p:spTree>
+      <p:nvGrpSpPr>
+        <p:cNvPr id="1" name="">
+          <a:extLst>
+            <a:ext uri="{FF2B5EF4-FFF2-40B4-BE49-F238E27FC236}">
+              <a16:creationId xmlns:a16="http://schemas.microsoft.com/office/drawing/2014/main" id="{A3F6DCF5-03CF-B0D0-E1E9-04D6F98B99E1}"/>
+            </a:ext>
+          </a:extLst>
+        </p:cNvPr>
+        <p:cNvGrpSpPr/>
+        <p:nvPr/>
+      </p:nvGrpSpPr>
+      <p:grpSpPr>
+        <a:xfrm>
+          <a:off x="0" y="0"/>
+          <a:ext cx="0" cy="0"/>
+          <a:chOff x="0" y="0"/>
+          <a:chExt cx="0" cy="0"/>
+        </a:xfrm>
+      </p:grpSpPr>
+      <p:pic>
+        <p:nvPicPr>
+          <p:cNvPr id="9" name="Picture 8">
+            <a:extLst>
+              <a:ext uri="{FF2B5EF4-FFF2-40B4-BE49-F238E27FC236}">
+                <a16:creationId xmlns:a16="http://schemas.microsoft.com/office/drawing/2014/main" id="{750C89E4-5668-4B11-F1A7-8DF9AAAC4CCF}"/>
+              </a:ext>
+            </a:extLst>
+          </p:cNvPr>
+          <p:cNvPicPr>
+            <a:picLocks noChangeAspect="1"/>
+          </p:cNvPicPr>
+          <p:nvPr/>
+        </p:nvPicPr>
+        <p:blipFill>
+          <a:blip r:embed="rId2">
+            <a:extLst>
+              <a:ext uri="{28A0092B-C50C-407E-A947-70E740481C1C}">
+                <a14:useLocalDpi xmlns:a14="http://schemas.microsoft.com/office/drawing/2010/main" val="0"/>
+              </a:ext>
+            </a:extLst>
+          </a:blip>
+          <a:stretch>
+            <a:fillRect/>
+          </a:stretch>
+        </p:blipFill>
+        <p:spPr>
+          <a:xfrm>
+            <a:off x="0" y="4707"/>
+            <a:ext cx="12192000" cy="6853293"/>
+          </a:xfrm>
+          <a:prstGeom prst="rect">
+            <a:avLst/>
+          </a:prstGeom>
+        </p:spPr>
+      </p:pic>
+      <p:sp>
+        <p:nvSpPr>
+          <p:cNvPr id="12" name="Title 11">
+            <a:extLst>
+              <a:ext uri="{FF2B5EF4-FFF2-40B4-BE49-F238E27FC236}">
+                <a16:creationId xmlns:a16="http://schemas.microsoft.com/office/drawing/2014/main" id="{9C957BA6-0F49-CFCE-25FA-031695B680D7}"/>
+              </a:ext>
+            </a:extLst>
+          </p:cNvPr>
+          <p:cNvSpPr>
+            <a:spLocks noGrp="1"/>
+          </p:cNvSpPr>
+          <p:nvPr>
+            <p:ph type="title"/>
+          </p:nvPr>
+        </p:nvSpPr>
+        <p:spPr>
+          <a:xfrm>
+            <a:off x="838200" y="1058780"/>
+            <a:ext cx="10515600" cy="1054834"/>
+          </a:xfrm>
+        </p:spPr>
+        <p:txBody>
+          <a:bodyPr>
+            <a:normAutofit fontScale="90000"/>
+          </a:bodyPr>
+          <a:lstStyle/>
+          <a:p>
+            <a:br>
+              <a:rPr lang="en-US" b="1" dirty="0">
+                <a:solidFill>
+                  <a:srgbClr val="002060"/>
+                </a:solidFill>
+              </a:rPr>
+            </a:br>
+            <a:br>
+              <a:rPr lang="en-US" b="1" dirty="0">
+                <a:solidFill>
+                  <a:srgbClr val="002060"/>
+                </a:solidFill>
+              </a:rPr>
+            </a:br>
+            <a:br>
+              <a:rPr lang="en-US" b="1" dirty="0">
+                <a:solidFill>
+                  <a:srgbClr val="002060"/>
+                </a:solidFill>
+              </a:rPr>
+            </a:br>
+            <a:br>
+              <a:rPr lang="en-US" b="1" dirty="0">
+                <a:solidFill>
+                  <a:srgbClr val="002060"/>
+                </a:solidFill>
+              </a:rPr>
+            </a:br>
+            <a:r>
+              <a:rPr lang="en-US" b="1" dirty="0">
+                <a:solidFill>
+                  <a:srgbClr val="C00000"/>
+                </a:solidFill>
+              </a:rPr>
+              <a:t>General AI </a:t>
+            </a:r>
+            <a:r>
+              <a:rPr lang="en-IN" b="1" dirty="0">
+                <a:solidFill>
+                  <a:srgbClr val="C00000"/>
+                </a:solidFill>
+              </a:rPr>
+              <a:t>Limitations</a:t>
+            </a:r>
+            <a:br>
+              <a:rPr lang="en-IN" b="1" dirty="0">
+                <a:solidFill>
+                  <a:srgbClr val="002060"/>
+                </a:solidFill>
+              </a:rPr>
+            </a:br>
+            <a:br>
+              <a:rPr lang="en-IN" b="1" dirty="0">
+                <a:solidFill>
+                  <a:srgbClr val="002060"/>
+                </a:solidFill>
+              </a:rPr>
+            </a:br>
+            <a:br>
+              <a:rPr lang="en-IN" b="1" dirty="0">
+                <a:solidFill>
+                  <a:srgbClr val="002060"/>
+                </a:solidFill>
+              </a:rPr>
+            </a:br>
+            <a:br>
+              <a:rPr lang="en-US" dirty="0">
+                <a:solidFill>
+                  <a:srgbClr val="002060"/>
+                </a:solidFill>
+              </a:rPr>
+            </a:br>
+            <a:br>
+              <a:rPr lang="en-US" dirty="0">
+                <a:solidFill>
+                  <a:srgbClr val="002060"/>
+                </a:solidFill>
+              </a:rPr>
+            </a:br>
+            <a:endParaRPr lang="en-IN" b="1" dirty="0">
+              <a:solidFill>
+                <a:srgbClr val="FF0000"/>
+              </a:solidFill>
+            </a:endParaRPr>
+          </a:p>
+        </p:txBody>
+      </p:sp>
+      <p:sp>
+        <p:nvSpPr>
+          <p:cNvPr id="4" name="Content Placeholder 3">
+            <a:extLst>
+              <a:ext uri="{FF2B5EF4-FFF2-40B4-BE49-F238E27FC236}">
+                <a16:creationId xmlns:a16="http://schemas.microsoft.com/office/drawing/2014/main" id="{B98602ED-AFDB-D9B3-96D1-D8C667138953}"/>
+              </a:ext>
+            </a:extLst>
+          </p:cNvPr>
+          <p:cNvSpPr>
+            <a:spLocks noGrp="1"/>
+          </p:cNvSpPr>
+          <p:nvPr>
+            <p:ph idx="1"/>
+          </p:nvPr>
+        </p:nvSpPr>
+        <p:spPr>
+          <a:xfrm>
+            <a:off x="838200" y="1768839"/>
+            <a:ext cx="10515600" cy="4030381"/>
+          </a:xfrm>
+        </p:spPr>
+        <p:txBody>
+          <a:bodyPr/>
+          <a:lstStyle/>
+          <a:p>
+            <a:pPr marL="0" indent="0">
+              <a:buNone/>
+            </a:pPr>
+            <a:r>
+              <a:rPr lang="en-US" sz="2400" b="1" dirty="0">
+                <a:solidFill>
+                  <a:srgbClr val="FF0000"/>
+                </a:solidFill>
+              </a:rPr>
+              <a:t>Technological Complexity: </a:t>
+            </a:r>
+            <a:r>
+              <a:rPr lang="en-US" sz="2400" dirty="0">
+                <a:solidFill>
+                  <a:srgbClr val="002060"/>
+                </a:solidFill>
+              </a:rPr>
+              <a:t>Requires breakthroughs in algorithms, computing power, and cognitive modeling.</a:t>
+            </a:r>
+          </a:p>
+          <a:p>
+            <a:pPr marL="0" indent="0">
+              <a:buNone/>
+            </a:pPr>
+            <a:r>
+              <a:rPr lang="en-US" sz="2400" b="1" dirty="0">
+                <a:solidFill>
+                  <a:srgbClr val="FF0000"/>
+                </a:solidFill>
+              </a:rPr>
+              <a:t>Ethical Risks: </a:t>
+            </a:r>
+            <a:r>
+              <a:rPr lang="en-US" sz="2400" dirty="0">
+                <a:solidFill>
+                  <a:srgbClr val="002060"/>
+                </a:solidFill>
+              </a:rPr>
+              <a:t>Raises concerns about autonomy, control, and moral reasoning.</a:t>
+            </a:r>
+          </a:p>
+          <a:p>
+            <a:pPr marL="0" indent="0">
+              <a:buNone/>
+            </a:pPr>
+            <a:r>
+              <a:rPr lang="en-US" sz="2400" b="1" dirty="0">
+                <a:solidFill>
+                  <a:srgbClr val="FF0000"/>
+                </a:solidFill>
+              </a:rPr>
+              <a:t>Lack of Real-World Deployment: </a:t>
+            </a:r>
+            <a:r>
+              <a:rPr lang="en-US" sz="2400" dirty="0">
+                <a:solidFill>
+                  <a:srgbClr val="002060"/>
+                </a:solidFill>
+              </a:rPr>
+              <a:t>Still largely theoretical; no true AGI systems exist yet.</a:t>
+            </a:r>
+          </a:p>
+          <a:p>
+            <a:pPr marL="0" indent="0">
+              <a:buNone/>
+            </a:pPr>
+            <a:r>
+              <a:rPr lang="en-US" sz="2400" b="1" dirty="0">
+                <a:solidFill>
+                  <a:srgbClr val="FF0000"/>
+                </a:solidFill>
+              </a:rPr>
+              <a:t>Unpredictability: </a:t>
+            </a:r>
+            <a:r>
+              <a:rPr lang="en-US" sz="2400" dirty="0">
+                <a:solidFill>
+                  <a:srgbClr val="002060"/>
+                </a:solidFill>
+              </a:rPr>
+              <a:t>Hard to constrain or predict behavior in open-ended environments</a:t>
+            </a:r>
+            <a:endParaRPr lang="en-IN" dirty="0">
+              <a:solidFill>
+                <a:srgbClr val="002060"/>
+              </a:solidFill>
+            </a:endParaRPr>
+          </a:p>
+        </p:txBody>
+      </p:sp>
+    </p:spTree>
+    <p:extLst>
+      <p:ext uri="{BB962C8B-B14F-4D97-AF65-F5344CB8AC3E}">
+        <p14:creationId xmlns:p14="http://schemas.microsoft.com/office/powerpoint/2010/main" val="1815092219"/>
+      </p:ext>
+    </p:extLst>
+  </p:cSld>
+  <p:clrMapOvr>
+    <a:masterClrMapping/>
+  </p:clrMapOvr>
+</p:sld>
+</file>
+
+<file path=ppt/slides/slide11.xml><?xml version="1.0" encoding="utf-8"?>
+<p:sld xmlns:a="http://schemas.openxmlformats.org/drawingml/2006/main" xmlns:r="http://schemas.openxmlformats.org/officeDocument/2006/relationships" xmlns:p="http://schemas.openxmlformats.org/presentationml/2006/main">
+  <p:cSld>
+    <p:spTree>
+      <p:nvGrpSpPr>
+        <p:cNvPr id="1" name="">
+          <a:extLst>
+            <a:ext uri="{FF2B5EF4-FFF2-40B4-BE49-F238E27FC236}">
+              <a16:creationId xmlns:a16="http://schemas.microsoft.com/office/drawing/2014/main" id="{08F020C8-C696-8712-6B14-34CA50EE353A}"/>
+            </a:ext>
+          </a:extLst>
+        </p:cNvPr>
+        <p:cNvGrpSpPr/>
+        <p:nvPr/>
+      </p:nvGrpSpPr>
+      <p:grpSpPr>
+        <a:xfrm>
+          <a:off x="0" y="0"/>
+          <a:ext cx="0" cy="0"/>
+          <a:chOff x="0" y="0"/>
+          <a:chExt cx="0" cy="0"/>
+        </a:xfrm>
+      </p:grpSpPr>
+      <p:pic>
+        <p:nvPicPr>
+          <p:cNvPr id="9" name="Picture 8">
+            <a:extLst>
+              <a:ext uri="{FF2B5EF4-FFF2-40B4-BE49-F238E27FC236}">
+                <a16:creationId xmlns:a16="http://schemas.microsoft.com/office/drawing/2014/main" id="{7CC4CBFF-7920-70C0-A06E-0C70678C0D18}"/>
+              </a:ext>
+            </a:extLst>
+          </p:cNvPr>
+          <p:cNvPicPr>
+            <a:picLocks noChangeAspect="1"/>
+          </p:cNvPicPr>
+          <p:nvPr/>
+        </p:nvPicPr>
+        <p:blipFill>
+          <a:blip r:embed="rId2">
+            <a:extLst>
+              <a:ext uri="{28A0092B-C50C-407E-A947-70E740481C1C}">
+                <a14:useLocalDpi xmlns:a14="http://schemas.microsoft.com/office/drawing/2010/main" val="0"/>
+              </a:ext>
+            </a:extLst>
+          </a:blip>
+          <a:stretch>
+            <a:fillRect/>
+          </a:stretch>
+        </p:blipFill>
+        <p:spPr>
+          <a:xfrm>
+            <a:off x="0" y="4707"/>
+            <a:ext cx="12192000" cy="6853293"/>
+          </a:xfrm>
+          <a:prstGeom prst="rect">
+            <a:avLst/>
+          </a:prstGeom>
+        </p:spPr>
+      </p:pic>
+      <p:sp>
+        <p:nvSpPr>
+          <p:cNvPr id="12" name="Title 11">
+            <a:extLst>
+              <a:ext uri="{FF2B5EF4-FFF2-40B4-BE49-F238E27FC236}">
+                <a16:creationId xmlns:a16="http://schemas.microsoft.com/office/drawing/2014/main" id="{25BED996-97FE-4465-A247-9E0741B69D7B}"/>
+              </a:ext>
+            </a:extLst>
+          </p:cNvPr>
+          <p:cNvSpPr>
+            <a:spLocks noGrp="1"/>
+          </p:cNvSpPr>
+          <p:nvPr>
+            <p:ph type="title"/>
+          </p:nvPr>
+        </p:nvSpPr>
+        <p:spPr>
+          <a:xfrm>
+            <a:off x="838200" y="1058779"/>
+            <a:ext cx="10515600" cy="1411703"/>
+          </a:xfrm>
+        </p:spPr>
+        <p:txBody>
+          <a:bodyPr/>
+          <a:lstStyle/>
+          <a:p>
+            <a:r>
+              <a:rPr lang="en-US" b="1" dirty="0">
+                <a:solidFill>
+                  <a:srgbClr val="FF0000"/>
+                </a:solidFill>
+              </a:rPr>
+              <a:t>Thank You</a:t>
+            </a:r>
+            <a:endParaRPr lang="en-IN" b="1" dirty="0">
+              <a:solidFill>
+                <a:srgbClr val="FF0000"/>
+              </a:solidFill>
+            </a:endParaRPr>
+          </a:p>
+        </p:txBody>
+      </p:sp>
+    </p:spTree>
+    <p:extLst>
+      <p:ext uri="{BB962C8B-B14F-4D97-AF65-F5344CB8AC3E}">
+        <p14:creationId xmlns:p14="http://schemas.microsoft.com/office/powerpoint/2010/main" val="1263864946"/>
       </p:ext>
     </p:extLst>
   </p:cSld>
@@ -4351,7 +5006,7 @@
                   <a:srgbClr val="002060"/>
                 </a:solidFill>
               </a:rPr>
-              <a:t>Define and differentiate between "general" and "narrow" AI</a:t>
+              <a:t>Define and differentiate between “General" and “Narrow" AI</a:t>
             </a:r>
           </a:p>
           <a:p>
@@ -4510,7 +5165,7 @@
                   <a:srgbClr val="C00000"/>
                 </a:solidFill>
               </a:rPr>
-              <a:t>Define and differentiate between "general" and "narrow" AI</a:t>
+              <a:t>Define and differentiate between “General" and “Narrow" AI</a:t>
             </a:r>
             <a:br>
               <a:rPr lang="en-US" b="1" dirty="0">
@@ -4566,15 +5221,134 @@
         </p:nvSpPr>
         <p:spPr>
           <a:xfrm>
-            <a:off x="838200" y="2261937"/>
-            <a:ext cx="10515600" cy="3915026"/>
+            <a:off x="838200" y="2261936"/>
+            <a:ext cx="10515600" cy="4123873"/>
           </a:xfrm>
         </p:spPr>
         <p:txBody>
-          <a:bodyPr/>
+          <a:bodyPr>
+            <a:normAutofit fontScale="92500" lnSpcReduction="10000"/>
+          </a:bodyPr>
           <a:lstStyle/>
           <a:p>
-            <a:endParaRPr lang="en-IN" dirty="0"/>
+            <a:pPr marL="0" indent="0">
+              <a:buNone/>
+            </a:pPr>
+            <a:r>
+              <a:rPr lang="en-US" b="1" dirty="0">
+                <a:solidFill>
+                  <a:srgbClr val="FF0000"/>
+                </a:solidFill>
+              </a:rPr>
+              <a:t>Narrow AI</a:t>
+            </a:r>
+            <a:endParaRPr lang="en-US" dirty="0"/>
+          </a:p>
+          <a:p>
+            <a:pPr marL="0" indent="0">
+              <a:buNone/>
+            </a:pPr>
+            <a:r>
+              <a:rPr lang="en-US" dirty="0">
+                <a:solidFill>
+                  <a:srgbClr val="002060"/>
+                </a:solidFill>
+              </a:rPr>
+              <a:t>also known as Artificial Narrow Intelligence (ANI) or Weak AI, </a:t>
+            </a:r>
+          </a:p>
+          <a:p>
+            <a:pPr marL="0" indent="0">
+              <a:buNone/>
+            </a:pPr>
+            <a:r>
+              <a:rPr lang="en-US" dirty="0">
+                <a:solidFill>
+                  <a:srgbClr val="002060"/>
+                </a:solidFill>
+              </a:rPr>
+              <a:t>refers to systems designed to perform a specific task or </a:t>
+            </a:r>
+          </a:p>
+          <a:p>
+            <a:pPr marL="0" indent="0">
+              <a:buNone/>
+            </a:pPr>
+            <a:r>
+              <a:rPr lang="en-US" dirty="0">
+                <a:solidFill>
+                  <a:srgbClr val="002060"/>
+                </a:solidFill>
+              </a:rPr>
+              <a:t>solve problems within a limited domain.</a:t>
+            </a:r>
+          </a:p>
+          <a:p>
+            <a:pPr marL="0" indent="0">
+              <a:buNone/>
+            </a:pPr>
+            <a:endParaRPr lang="en-US" dirty="0">
+              <a:solidFill>
+                <a:srgbClr val="002060"/>
+              </a:solidFill>
+            </a:endParaRPr>
+          </a:p>
+          <a:p>
+            <a:pPr marL="0" indent="0">
+              <a:buNone/>
+            </a:pPr>
+            <a:r>
+              <a:rPr lang="en-US" b="1" dirty="0">
+                <a:solidFill>
+                  <a:srgbClr val="FF0000"/>
+                </a:solidFill>
+              </a:rPr>
+              <a:t>General AI</a:t>
+            </a:r>
+          </a:p>
+          <a:p>
+            <a:pPr marL="0" indent="0">
+              <a:buNone/>
+            </a:pPr>
+            <a:r>
+              <a:rPr lang="en-US" dirty="0">
+                <a:solidFill>
+                  <a:srgbClr val="002060"/>
+                </a:solidFill>
+              </a:rPr>
+              <a:t>also known as Artificial General Intelligence (AGI) or Strong AI, </a:t>
+            </a:r>
+          </a:p>
+          <a:p>
+            <a:pPr marL="0" indent="0">
+              <a:buNone/>
+            </a:pPr>
+            <a:r>
+              <a:rPr lang="en-US" dirty="0">
+                <a:solidFill>
+                  <a:srgbClr val="002060"/>
+                </a:solidFill>
+              </a:rPr>
+              <a:t>refers to machines that possess human-like cognitive abilities across a wide</a:t>
+            </a:r>
+          </a:p>
+          <a:p>
+            <a:pPr marL="0" indent="0">
+              <a:buNone/>
+            </a:pPr>
+            <a:r>
+              <a:rPr lang="en-US" dirty="0">
+                <a:solidFill>
+                  <a:srgbClr val="002060"/>
+                </a:solidFill>
+              </a:rPr>
+              <a:t>range of tasks and domains.</a:t>
+            </a:r>
+            <a:endParaRPr lang="en-IN" dirty="0">
+              <a:solidFill>
+                <a:srgbClr val="002060"/>
+              </a:solidFill>
+            </a:endParaRPr>
           </a:p>
         </p:txBody>
       </p:sp>
@@ -4592,6 +5366,648 @@
 </file>
 
 <file path=ppt/slides/slide5.xml><?xml version="1.0" encoding="utf-8"?>
+<p:sld xmlns:a="http://schemas.openxmlformats.org/drawingml/2006/main" xmlns:r="http://schemas.openxmlformats.org/officeDocument/2006/relationships" xmlns:p="http://schemas.openxmlformats.org/presentationml/2006/main">
+  <p:cSld>
+    <p:spTree>
+      <p:nvGrpSpPr>
+        <p:cNvPr id="1" name="">
+          <a:extLst>
+            <a:ext uri="{FF2B5EF4-FFF2-40B4-BE49-F238E27FC236}">
+              <a16:creationId xmlns:a16="http://schemas.microsoft.com/office/drawing/2014/main" id="{61F0350E-9E0E-ADA7-4DA2-BD11AD858F55}"/>
+            </a:ext>
+          </a:extLst>
+        </p:cNvPr>
+        <p:cNvGrpSpPr/>
+        <p:nvPr/>
+      </p:nvGrpSpPr>
+      <p:grpSpPr>
+        <a:xfrm>
+          <a:off x="0" y="0"/>
+          <a:ext cx="0" cy="0"/>
+          <a:chOff x="0" y="0"/>
+          <a:chExt cx="0" cy="0"/>
+        </a:xfrm>
+      </p:grpSpPr>
+      <p:pic>
+        <p:nvPicPr>
+          <p:cNvPr id="9" name="Picture 8">
+            <a:extLst>
+              <a:ext uri="{FF2B5EF4-FFF2-40B4-BE49-F238E27FC236}">
+                <a16:creationId xmlns:a16="http://schemas.microsoft.com/office/drawing/2014/main" id="{3CCF419C-2779-614D-3BEA-5536B92A2D58}"/>
+              </a:ext>
+            </a:extLst>
+          </p:cNvPr>
+          <p:cNvPicPr>
+            <a:picLocks noChangeAspect="1"/>
+          </p:cNvPicPr>
+          <p:nvPr/>
+        </p:nvPicPr>
+        <p:blipFill>
+          <a:blip r:embed="rId2">
+            <a:extLst>
+              <a:ext uri="{28A0092B-C50C-407E-A947-70E740481C1C}">
+                <a14:useLocalDpi xmlns:a14="http://schemas.microsoft.com/office/drawing/2010/main" val="0"/>
+              </a:ext>
+            </a:extLst>
+          </a:blip>
+          <a:stretch>
+            <a:fillRect/>
+          </a:stretch>
+        </p:blipFill>
+        <p:spPr>
+          <a:xfrm>
+            <a:off x="0" y="4707"/>
+            <a:ext cx="12192000" cy="6853293"/>
+          </a:xfrm>
+          <a:prstGeom prst="rect">
+            <a:avLst/>
+          </a:prstGeom>
+        </p:spPr>
+      </p:pic>
+      <p:sp>
+        <p:nvSpPr>
+          <p:cNvPr id="12" name="Title 11">
+            <a:extLst>
+              <a:ext uri="{FF2B5EF4-FFF2-40B4-BE49-F238E27FC236}">
+                <a16:creationId xmlns:a16="http://schemas.microsoft.com/office/drawing/2014/main" id="{9D75F710-9E0A-93F1-E4B5-0226F05FAC12}"/>
+              </a:ext>
+            </a:extLst>
+          </p:cNvPr>
+          <p:cNvSpPr>
+            <a:spLocks noGrp="1"/>
+          </p:cNvSpPr>
+          <p:nvPr>
+            <p:ph type="title"/>
+          </p:nvPr>
+        </p:nvSpPr>
+        <p:spPr>
+          <a:xfrm>
+            <a:off x="838200" y="1090863"/>
+            <a:ext cx="10515600" cy="1171073"/>
+          </a:xfrm>
+        </p:spPr>
+        <p:txBody>
+          <a:bodyPr>
+            <a:normAutofit fontScale="90000"/>
+          </a:bodyPr>
+          <a:lstStyle/>
+          <a:p>
+            <a:br>
+              <a:rPr lang="en-US" b="1" dirty="0">
+                <a:solidFill>
+                  <a:srgbClr val="002060"/>
+                </a:solidFill>
+              </a:rPr>
+            </a:br>
+            <a:br>
+              <a:rPr lang="en-US" b="1" dirty="0">
+                <a:solidFill>
+                  <a:srgbClr val="002060"/>
+                </a:solidFill>
+              </a:rPr>
+            </a:br>
+            <a:br>
+              <a:rPr lang="en-US" b="1" dirty="0">
+                <a:solidFill>
+                  <a:srgbClr val="002060"/>
+                </a:solidFill>
+              </a:rPr>
+            </a:br>
+            <a:br>
+              <a:rPr lang="en-US" b="1" dirty="0">
+                <a:solidFill>
+                  <a:srgbClr val="002060"/>
+                </a:solidFill>
+              </a:rPr>
+            </a:br>
+            <a:r>
+              <a:rPr lang="en-US" b="1" dirty="0">
+                <a:solidFill>
+                  <a:srgbClr val="C00000"/>
+                </a:solidFill>
+              </a:rPr>
+              <a:t>Define and differentiate between “General" and “Narrow" AI</a:t>
+            </a:r>
+            <a:br>
+              <a:rPr lang="en-US" b="1" dirty="0">
+                <a:solidFill>
+                  <a:srgbClr val="002060"/>
+                </a:solidFill>
+              </a:rPr>
+            </a:br>
+            <a:br>
+              <a:rPr lang="en-US" b="1" dirty="0">
+                <a:solidFill>
+                  <a:srgbClr val="002060"/>
+                </a:solidFill>
+              </a:rPr>
+            </a:br>
+            <a:br>
+              <a:rPr lang="en-US" b="1" dirty="0">
+                <a:solidFill>
+                  <a:srgbClr val="002060"/>
+                </a:solidFill>
+              </a:rPr>
+            </a:br>
+            <a:br>
+              <a:rPr lang="en-US" dirty="0">
+                <a:solidFill>
+                  <a:srgbClr val="002060"/>
+                </a:solidFill>
+              </a:rPr>
+            </a:br>
+            <a:endParaRPr lang="en-IN" b="1" dirty="0">
+              <a:solidFill>
+                <a:srgbClr val="FF0000"/>
+              </a:solidFill>
+            </a:endParaRPr>
+          </a:p>
+        </p:txBody>
+      </p:sp>
+      <p:sp>
+        <p:nvSpPr>
+          <p:cNvPr id="4" name="Content Placeholder 3">
+            <a:extLst>
+              <a:ext uri="{FF2B5EF4-FFF2-40B4-BE49-F238E27FC236}">
+                <a16:creationId xmlns:a16="http://schemas.microsoft.com/office/drawing/2014/main" id="{DEC53DA1-812C-C049-BB18-81764B700635}"/>
+              </a:ext>
+            </a:extLst>
+          </p:cNvPr>
+          <p:cNvSpPr>
+            <a:spLocks noGrp="1"/>
+          </p:cNvSpPr>
+          <p:nvPr>
+            <p:ph idx="1"/>
+          </p:nvPr>
+        </p:nvSpPr>
+        <p:spPr>
+          <a:xfrm>
+            <a:off x="838200" y="2261937"/>
+            <a:ext cx="10515600" cy="3915026"/>
+          </a:xfrm>
+        </p:spPr>
+        <p:txBody>
+          <a:bodyPr>
+            <a:normAutofit fontScale="92500" lnSpcReduction="10000"/>
+          </a:bodyPr>
+          <a:lstStyle/>
+          <a:p>
+            <a:pPr marL="0" indent="0">
+              <a:buNone/>
+            </a:pPr>
+            <a:r>
+              <a:rPr lang="en-IN" b="1" dirty="0">
+                <a:solidFill>
+                  <a:srgbClr val="FF0000"/>
+                </a:solidFill>
+              </a:rPr>
+              <a:t>Narrow AI Characteristics:</a:t>
+            </a:r>
+          </a:p>
+          <a:p>
+            <a:pPr lvl="1"/>
+            <a:r>
+              <a:rPr lang="en-IN" sz="2600" dirty="0">
+                <a:solidFill>
+                  <a:srgbClr val="002060"/>
+                </a:solidFill>
+              </a:rPr>
+              <a:t>Task-specific and domain-bound</a:t>
+            </a:r>
+          </a:p>
+          <a:p>
+            <a:pPr lvl="1"/>
+            <a:r>
+              <a:rPr lang="en-IN" sz="2600" dirty="0">
+                <a:solidFill>
+                  <a:srgbClr val="002060"/>
+                </a:solidFill>
+              </a:rPr>
+              <a:t>Operates under predefined parameters</a:t>
+            </a:r>
+          </a:p>
+          <a:p>
+            <a:pPr lvl="1"/>
+            <a:r>
+              <a:rPr lang="en-IN" sz="2600" dirty="0">
+                <a:solidFill>
+                  <a:srgbClr val="002060"/>
+                </a:solidFill>
+              </a:rPr>
+              <a:t>Cannot generalize beyond its training</a:t>
+            </a:r>
+          </a:p>
+          <a:p>
+            <a:pPr lvl="1"/>
+            <a:r>
+              <a:rPr lang="en-IN" sz="2600" dirty="0">
+                <a:solidFill>
+                  <a:srgbClr val="002060"/>
+                </a:solidFill>
+              </a:rPr>
+              <a:t>Highly efficient within its scope</a:t>
+            </a:r>
+          </a:p>
+          <a:p>
+            <a:pPr marL="0" indent="0">
+              <a:buNone/>
+            </a:pPr>
+            <a:r>
+              <a:rPr lang="en-US" b="1" dirty="0">
+                <a:solidFill>
+                  <a:srgbClr val="FF0000"/>
+                </a:solidFill>
+              </a:rPr>
+              <a:t>General AI Characteristics:</a:t>
+            </a:r>
+          </a:p>
+          <a:p>
+            <a:pPr lvl="1"/>
+            <a:r>
+              <a:rPr lang="en-US" sz="2600" dirty="0">
+                <a:solidFill>
+                  <a:srgbClr val="002060"/>
+                </a:solidFill>
+              </a:rPr>
+              <a:t>Can learn, reason, and adapt across domains</a:t>
+            </a:r>
+          </a:p>
+          <a:p>
+            <a:pPr lvl="1"/>
+            <a:r>
+              <a:rPr lang="en-US" sz="2600" dirty="0">
+                <a:solidFill>
+                  <a:srgbClr val="002060"/>
+                </a:solidFill>
+              </a:rPr>
+              <a:t>Exhibits autonomous decision-making</a:t>
+            </a:r>
+          </a:p>
+          <a:p>
+            <a:pPr lvl="1"/>
+            <a:r>
+              <a:rPr lang="en-US" sz="2600" dirty="0">
+                <a:solidFill>
+                  <a:srgbClr val="002060"/>
+                </a:solidFill>
+              </a:rPr>
+              <a:t>Capable of understanding context and emotions</a:t>
+            </a:r>
+          </a:p>
+          <a:p>
+            <a:pPr lvl="1"/>
+            <a:r>
+              <a:rPr lang="en-US" sz="2600" dirty="0">
+                <a:solidFill>
+                  <a:srgbClr val="002060"/>
+                </a:solidFill>
+              </a:rPr>
+              <a:t>Not limited to predefined tasks</a:t>
+            </a:r>
+          </a:p>
+          <a:p>
+            <a:endParaRPr lang="en-IN" dirty="0">
+              <a:solidFill>
+                <a:srgbClr val="002060"/>
+              </a:solidFill>
+            </a:endParaRPr>
+          </a:p>
+          <a:p>
+            <a:pPr marL="0" indent="0">
+              <a:buNone/>
+            </a:pPr>
+            <a:endParaRPr lang="en-IN" dirty="0">
+              <a:solidFill>
+                <a:srgbClr val="002060"/>
+              </a:solidFill>
+            </a:endParaRPr>
+          </a:p>
+        </p:txBody>
+      </p:sp>
+    </p:spTree>
+    <p:extLst>
+      <p:ext uri="{BB962C8B-B14F-4D97-AF65-F5344CB8AC3E}">
+        <p14:creationId xmlns:p14="http://schemas.microsoft.com/office/powerpoint/2010/main" val="1043910131"/>
+      </p:ext>
+    </p:extLst>
+  </p:cSld>
+  <p:clrMapOvr>
+    <a:masterClrMapping/>
+  </p:clrMapOvr>
+</p:sld>
+</file>
+
+<file path=ppt/slides/slide6.xml><?xml version="1.0" encoding="utf-8"?>
+<p:sld xmlns:a="http://schemas.openxmlformats.org/drawingml/2006/main" xmlns:r="http://schemas.openxmlformats.org/officeDocument/2006/relationships" xmlns:p="http://schemas.openxmlformats.org/presentationml/2006/main">
+  <p:cSld>
+    <p:spTree>
+      <p:nvGrpSpPr>
+        <p:cNvPr id="1" name="">
+          <a:extLst>
+            <a:ext uri="{FF2B5EF4-FFF2-40B4-BE49-F238E27FC236}">
+              <a16:creationId xmlns:a16="http://schemas.microsoft.com/office/drawing/2014/main" id="{AB6D71BA-A6B8-D34A-9039-3EC0834D0DB2}"/>
+            </a:ext>
+          </a:extLst>
+        </p:cNvPr>
+        <p:cNvGrpSpPr/>
+        <p:nvPr/>
+      </p:nvGrpSpPr>
+      <p:grpSpPr>
+        <a:xfrm>
+          <a:off x="0" y="0"/>
+          <a:ext cx="0" cy="0"/>
+          <a:chOff x="0" y="0"/>
+          <a:chExt cx="0" cy="0"/>
+        </a:xfrm>
+      </p:grpSpPr>
+      <p:pic>
+        <p:nvPicPr>
+          <p:cNvPr id="9" name="Picture 8">
+            <a:extLst>
+              <a:ext uri="{FF2B5EF4-FFF2-40B4-BE49-F238E27FC236}">
+                <a16:creationId xmlns:a16="http://schemas.microsoft.com/office/drawing/2014/main" id="{F75F39CD-DC30-B7C5-8250-70AD7B60D3DE}"/>
+              </a:ext>
+            </a:extLst>
+          </p:cNvPr>
+          <p:cNvPicPr>
+            <a:picLocks noChangeAspect="1"/>
+          </p:cNvPicPr>
+          <p:nvPr/>
+        </p:nvPicPr>
+        <p:blipFill>
+          <a:blip r:embed="rId2">
+            <a:extLst>
+              <a:ext uri="{28A0092B-C50C-407E-A947-70E740481C1C}">
+                <a14:useLocalDpi xmlns:a14="http://schemas.microsoft.com/office/drawing/2010/main" val="0"/>
+              </a:ext>
+            </a:extLst>
+          </a:blip>
+          <a:stretch>
+            <a:fillRect/>
+          </a:stretch>
+        </p:blipFill>
+        <p:spPr>
+          <a:xfrm>
+            <a:off x="0" y="4707"/>
+            <a:ext cx="12192000" cy="6853293"/>
+          </a:xfrm>
+          <a:prstGeom prst="rect">
+            <a:avLst/>
+          </a:prstGeom>
+        </p:spPr>
+      </p:pic>
+      <p:sp>
+        <p:nvSpPr>
+          <p:cNvPr id="12" name="Title 11">
+            <a:extLst>
+              <a:ext uri="{FF2B5EF4-FFF2-40B4-BE49-F238E27FC236}">
+                <a16:creationId xmlns:a16="http://schemas.microsoft.com/office/drawing/2014/main" id="{B31D8BA1-C062-1621-F365-2F3652B5F09A}"/>
+              </a:ext>
+            </a:extLst>
+          </p:cNvPr>
+          <p:cNvSpPr>
+            <a:spLocks noGrp="1"/>
+          </p:cNvSpPr>
+          <p:nvPr>
+            <p:ph type="title"/>
+          </p:nvPr>
+        </p:nvSpPr>
+        <p:spPr>
+          <a:xfrm>
+            <a:off x="838200" y="1090863"/>
+            <a:ext cx="10515600" cy="1171073"/>
+          </a:xfrm>
+        </p:spPr>
+        <p:txBody>
+          <a:bodyPr>
+            <a:normAutofit fontScale="90000"/>
+          </a:bodyPr>
+          <a:lstStyle/>
+          <a:p>
+            <a:br>
+              <a:rPr lang="en-US" b="1" dirty="0">
+                <a:solidFill>
+                  <a:srgbClr val="002060"/>
+                </a:solidFill>
+              </a:rPr>
+            </a:br>
+            <a:br>
+              <a:rPr lang="en-US" b="1" dirty="0">
+                <a:solidFill>
+                  <a:srgbClr val="002060"/>
+                </a:solidFill>
+              </a:rPr>
+            </a:br>
+            <a:br>
+              <a:rPr lang="en-US" b="1" dirty="0">
+                <a:solidFill>
+                  <a:srgbClr val="002060"/>
+                </a:solidFill>
+              </a:rPr>
+            </a:br>
+            <a:br>
+              <a:rPr lang="en-US" b="1" dirty="0">
+                <a:solidFill>
+                  <a:srgbClr val="002060"/>
+                </a:solidFill>
+              </a:rPr>
+            </a:br>
+            <a:r>
+              <a:rPr lang="en-US" b="1" dirty="0">
+                <a:solidFill>
+                  <a:srgbClr val="C00000"/>
+                </a:solidFill>
+              </a:rPr>
+              <a:t>Define and differentiate between “General" and “Narrow" AI</a:t>
+            </a:r>
+            <a:br>
+              <a:rPr lang="en-US" b="1" dirty="0">
+                <a:solidFill>
+                  <a:srgbClr val="002060"/>
+                </a:solidFill>
+              </a:rPr>
+            </a:br>
+            <a:br>
+              <a:rPr lang="en-US" b="1" dirty="0">
+                <a:solidFill>
+                  <a:srgbClr val="002060"/>
+                </a:solidFill>
+              </a:rPr>
+            </a:br>
+            <a:br>
+              <a:rPr lang="en-US" b="1" dirty="0">
+                <a:solidFill>
+                  <a:srgbClr val="002060"/>
+                </a:solidFill>
+              </a:rPr>
+            </a:br>
+            <a:br>
+              <a:rPr lang="en-US" dirty="0">
+                <a:solidFill>
+                  <a:srgbClr val="002060"/>
+                </a:solidFill>
+              </a:rPr>
+            </a:br>
+            <a:endParaRPr lang="en-IN" b="1" dirty="0">
+              <a:solidFill>
+                <a:srgbClr val="FF0000"/>
+              </a:solidFill>
+            </a:endParaRPr>
+          </a:p>
+        </p:txBody>
+      </p:sp>
+      <p:sp>
+        <p:nvSpPr>
+          <p:cNvPr id="4" name="Content Placeholder 3">
+            <a:extLst>
+              <a:ext uri="{FF2B5EF4-FFF2-40B4-BE49-F238E27FC236}">
+                <a16:creationId xmlns:a16="http://schemas.microsoft.com/office/drawing/2014/main" id="{5A7B62A1-89F8-8109-B054-AF864EB42F09}"/>
+              </a:ext>
+            </a:extLst>
+          </p:cNvPr>
+          <p:cNvSpPr>
+            <a:spLocks noGrp="1"/>
+          </p:cNvSpPr>
+          <p:nvPr>
+            <p:ph idx="1"/>
+          </p:nvPr>
+        </p:nvSpPr>
+        <p:spPr>
+          <a:xfrm>
+            <a:off x="838200" y="2261937"/>
+            <a:ext cx="10515600" cy="3915026"/>
+          </a:xfrm>
+        </p:spPr>
+        <p:txBody>
+          <a:bodyPr>
+            <a:normAutofit fontScale="70000" lnSpcReduction="20000"/>
+          </a:bodyPr>
+          <a:lstStyle/>
+          <a:p>
+            <a:pPr marL="0" indent="0">
+              <a:buNone/>
+            </a:pPr>
+            <a:r>
+              <a:rPr lang="en-US" b="1" dirty="0">
+                <a:solidFill>
+                  <a:srgbClr val="FF0000"/>
+                </a:solidFill>
+              </a:rPr>
+              <a:t>Narrow AI</a:t>
+            </a:r>
+            <a:r>
+              <a:rPr lang="en-IN" b="1" dirty="0">
+                <a:solidFill>
+                  <a:srgbClr val="FF0000"/>
+                </a:solidFill>
+              </a:rPr>
+              <a:t> Examples:</a:t>
+            </a:r>
+          </a:p>
+          <a:p>
+            <a:r>
+              <a:rPr lang="en-IN" sz="3400" dirty="0">
+                <a:solidFill>
+                  <a:srgbClr val="002060"/>
+                </a:solidFill>
+              </a:rPr>
+              <a:t>Facial recognition systems</a:t>
+            </a:r>
+          </a:p>
+          <a:p>
+            <a:r>
+              <a:rPr lang="en-IN" sz="3400" dirty="0">
+                <a:solidFill>
+                  <a:srgbClr val="002060"/>
+                </a:solidFill>
+              </a:rPr>
+              <a:t>Virtual assistants like Siri, Alexa, Cortana</a:t>
+            </a:r>
+          </a:p>
+          <a:p>
+            <a:r>
+              <a:rPr lang="en-IN" sz="3400" dirty="0">
+                <a:solidFill>
+                  <a:srgbClr val="002060"/>
+                </a:solidFill>
+              </a:rPr>
+              <a:t>Recommendation engines on Netflix, Amazon, Spotify</a:t>
+            </a:r>
+          </a:p>
+          <a:p>
+            <a:r>
+              <a:rPr lang="en-IN" sz="3400" dirty="0">
+                <a:solidFill>
+                  <a:srgbClr val="002060"/>
+                </a:solidFill>
+              </a:rPr>
+              <a:t>Autonomous driving object detection modules</a:t>
+            </a:r>
+          </a:p>
+          <a:p>
+            <a:pPr marL="0" indent="0">
+              <a:buNone/>
+            </a:pPr>
+            <a:r>
+              <a:rPr lang="en-IN" b="1" dirty="0">
+                <a:solidFill>
+                  <a:srgbClr val="FF0000"/>
+                </a:solidFill>
+              </a:rPr>
+              <a:t>General AI Examples:</a:t>
+            </a:r>
+          </a:p>
+          <a:p>
+            <a:r>
+              <a:rPr lang="en-US" sz="3400" dirty="0">
+                <a:solidFill>
+                  <a:srgbClr val="002060"/>
+                </a:solidFill>
+              </a:rPr>
+              <a:t>A robot that can learn any job a human can do</a:t>
+            </a:r>
+          </a:p>
+          <a:p>
+            <a:r>
+              <a:rPr lang="en-US" sz="3400" dirty="0">
+                <a:solidFill>
+                  <a:srgbClr val="002060"/>
+                </a:solidFill>
+              </a:rPr>
+              <a:t>AI systems that can write code, compose music, and diagnose diseases—all without retraining</a:t>
+            </a:r>
+          </a:p>
+          <a:p>
+            <a:r>
+              <a:rPr lang="en-US" sz="3400" dirty="0">
+                <a:solidFill>
+                  <a:srgbClr val="002060"/>
+                </a:solidFill>
+              </a:rPr>
+              <a:t>Customer service bots that understand nuanced emotions and respond empathetically</a:t>
+            </a:r>
+            <a:endParaRPr lang="en-IN" sz="3400" dirty="0">
+              <a:solidFill>
+                <a:srgbClr val="002060"/>
+              </a:solidFill>
+            </a:endParaRPr>
+          </a:p>
+        </p:txBody>
+      </p:sp>
+    </p:spTree>
+    <p:extLst>
+      <p:ext uri="{BB962C8B-B14F-4D97-AF65-F5344CB8AC3E}">
+        <p14:creationId xmlns:p14="http://schemas.microsoft.com/office/powerpoint/2010/main" val="387718867"/>
+      </p:ext>
+    </p:extLst>
+  </p:cSld>
+  <p:clrMapOvr>
+    <a:masterClrMapping/>
+  </p:clrMapOvr>
+</p:sld>
+</file>
+
+<file path=ppt/slides/slide7.xml><?xml version="1.0" encoding="utf-8"?>
 <p:sld xmlns:a="http://schemas.openxmlformats.org/drawingml/2006/main" xmlns:r="http://schemas.openxmlformats.org/officeDocument/2006/relationships" xmlns:p="http://schemas.openxmlformats.org/presentationml/2006/main">
   <p:cSld>
     <p:spTree>
@@ -4668,8 +6084,8 @@
         </p:nvSpPr>
         <p:spPr>
           <a:xfrm>
-            <a:off x="838200" y="1058779"/>
-            <a:ext cx="10515600" cy="1699411"/>
+            <a:off x="838200" y="1058780"/>
+            <a:ext cx="10515600" cy="1054834"/>
           </a:xfrm>
         </p:spPr>
         <p:txBody>
@@ -4699,13 +6115,28 @@
                 </a:solidFill>
               </a:rPr>
             </a:br>
+            <a:br>
+              <a:rPr lang="en-US" b="1" dirty="0">
+                <a:solidFill>
+                  <a:srgbClr val="002060"/>
+                </a:solidFill>
+              </a:rPr>
+            </a:br>
+            <a:r>
+              <a:rPr lang="en-US" b="1" dirty="0">
+                <a:solidFill>
+                  <a:srgbClr val="C00000"/>
+                </a:solidFill>
+              </a:rPr>
+              <a:t>Narrow AI </a:t>
+            </a:r>
             <a:r>
               <a:rPr lang="en-IN" b="1" dirty="0">
                 <a:solidFill>
                   <a:srgbClr val="C00000"/>
                 </a:solidFill>
               </a:rPr>
-              <a:t>Capabilities and limitations</a:t>
+              <a:t>Capabilities</a:t>
             </a:r>
             <a:br>
               <a:rPr lang="en-IN" b="1" dirty="0">
@@ -4768,13 +6199,117 @@
         </p:nvSpPr>
         <p:spPr>
           <a:xfrm>
-            <a:off x="838200" y="2353456"/>
-            <a:ext cx="10515600" cy="3823507"/>
+            <a:off x="838200" y="1768840"/>
+            <a:ext cx="10515600" cy="2975548"/>
           </a:xfrm>
         </p:spPr>
         <p:txBody>
           <a:bodyPr/>
           <a:lstStyle/>
+          <a:p>
+            <a:r>
+              <a:rPr lang="en-IN" sz="2400" b="1" dirty="0">
+                <a:solidFill>
+                  <a:srgbClr val="FF0000"/>
+                </a:solidFill>
+              </a:rPr>
+              <a:t>Task-Specific Excellence</a:t>
+            </a:r>
+            <a:r>
+              <a:rPr lang="en-IN" sz="2400" dirty="0">
+                <a:solidFill>
+                  <a:srgbClr val="FF0000"/>
+                </a:solidFill>
+              </a:rPr>
+              <a:t>: </a:t>
+            </a:r>
+            <a:r>
+              <a:rPr lang="en-IN" sz="2400" dirty="0">
+                <a:solidFill>
+                  <a:srgbClr val="002060"/>
+                </a:solidFill>
+              </a:rPr>
+              <a:t>Excels at performing well-defined tasks like facial recognition, language translation, or fraud detection.</a:t>
+            </a:r>
+          </a:p>
+          <a:p>
+            <a:r>
+              <a:rPr lang="en-IN" sz="2400" b="1" dirty="0">
+                <a:solidFill>
+                  <a:srgbClr val="FF0000"/>
+                </a:solidFill>
+              </a:rPr>
+              <a:t>Speed &amp; Efficiency</a:t>
+            </a:r>
+            <a:r>
+              <a:rPr lang="en-IN" sz="2400" dirty="0">
+                <a:solidFill>
+                  <a:srgbClr val="FF0000"/>
+                </a:solidFill>
+              </a:rPr>
+              <a:t>: </a:t>
+            </a:r>
+            <a:r>
+              <a:rPr lang="en-IN" sz="2400" dirty="0">
+                <a:solidFill>
+                  <a:srgbClr val="002060"/>
+                </a:solidFill>
+              </a:rPr>
+              <a:t>Processes large datasets quickly and accurately.</a:t>
+            </a:r>
+          </a:p>
+          <a:p>
+            <a:r>
+              <a:rPr lang="en-IN" sz="2400" b="1" dirty="0">
+                <a:solidFill>
+                  <a:srgbClr val="FF0000"/>
+                </a:solidFill>
+              </a:rPr>
+              <a:t>Automation</a:t>
+            </a:r>
+            <a:r>
+              <a:rPr lang="en-IN" sz="2400" dirty="0">
+                <a:solidFill>
+                  <a:srgbClr val="FF0000"/>
+                </a:solidFill>
+              </a:rPr>
+              <a:t>: </a:t>
+            </a:r>
+            <a:r>
+              <a:rPr lang="en-IN" sz="2400" dirty="0">
+                <a:solidFill>
+                  <a:srgbClr val="002060"/>
+                </a:solidFill>
+              </a:rPr>
+              <a:t>Handles repetitive tasks, freeing humans for creative or strategic work.</a:t>
+            </a:r>
+          </a:p>
+          <a:p>
+            <a:r>
+              <a:rPr lang="en-IN" sz="2400" b="1" dirty="0">
+                <a:solidFill>
+                  <a:srgbClr val="FF0000"/>
+                </a:solidFill>
+              </a:rPr>
+              <a:t>Integration</a:t>
+            </a:r>
+            <a:r>
+              <a:rPr lang="en-IN" sz="2400" dirty="0">
+                <a:solidFill>
+                  <a:srgbClr val="FF0000"/>
+                </a:solidFill>
+              </a:rPr>
+              <a:t>: </a:t>
+            </a:r>
+            <a:r>
+              <a:rPr lang="en-IN" sz="2400" dirty="0">
+                <a:solidFill>
+                  <a:srgbClr val="002060"/>
+                </a:solidFill>
+              </a:rPr>
+              <a:t>Easily embedded into apps, websites, and devices (e.g., Siri, Alexa, recommendation engines).</a:t>
+            </a:r>
+          </a:p>
           <a:p>
             <a:endParaRPr lang="en-IN" dirty="0"/>
           </a:p>
@@ -4793,7 +6328,7 @@
 </p:sld>
 </file>
 
-<file path=ppt/slides/slide6.xml><?xml version="1.0" encoding="utf-8"?>
+<file path=ppt/slides/slide8.xml><?xml version="1.0" encoding="utf-8"?>
 <p:sld xmlns:a="http://schemas.openxmlformats.org/drawingml/2006/main" xmlns:r="http://schemas.openxmlformats.org/officeDocument/2006/relationships" xmlns:p="http://schemas.openxmlformats.org/presentationml/2006/main">
   <p:cSld>
     <p:spTree>
@@ -4801,7 +6336,7 @@
         <p:cNvPr id="1" name="">
           <a:extLst>
             <a:ext uri="{FF2B5EF4-FFF2-40B4-BE49-F238E27FC236}">
-              <a16:creationId xmlns:a16="http://schemas.microsoft.com/office/drawing/2014/main" id="{71D4E9D6-18E7-C0C2-ACD0-5B8EE7B99299}"/>
+              <a16:creationId xmlns:a16="http://schemas.microsoft.com/office/drawing/2014/main" id="{89BAE4A2-312E-C54C-11FB-3E37D5DB2B68}"/>
             </a:ext>
           </a:extLst>
         </p:cNvPr>
@@ -4821,7 +6356,7 @@
           <p:cNvPr id="9" name="Picture 8">
             <a:extLst>
               <a:ext uri="{FF2B5EF4-FFF2-40B4-BE49-F238E27FC236}">
-                <a16:creationId xmlns:a16="http://schemas.microsoft.com/office/drawing/2014/main" id="{BBAD1E32-AF7A-5130-3143-A615292286EC}"/>
+                <a16:creationId xmlns:a16="http://schemas.microsoft.com/office/drawing/2014/main" id="{D73E75AC-2912-E0FC-F1CA-C5401B076BCA}"/>
               </a:ext>
             </a:extLst>
           </p:cNvPr>
@@ -4857,7 +6392,7 @@
           <p:cNvPr id="12" name="Title 11">
             <a:extLst>
               <a:ext uri="{FF2B5EF4-FFF2-40B4-BE49-F238E27FC236}">
-                <a16:creationId xmlns:a16="http://schemas.microsoft.com/office/drawing/2014/main" id="{2B4E6781-7EA4-9A33-3463-A47D8FC593E1}"/>
+                <a16:creationId xmlns:a16="http://schemas.microsoft.com/office/drawing/2014/main" id="{41E1F2B7-A8F4-9792-A769-BBBADA693863}"/>
               </a:ext>
             </a:extLst>
           </p:cNvPr>
@@ -4870,8 +6405,8 @@
         </p:nvSpPr>
         <p:spPr>
           <a:xfrm>
-            <a:off x="838200" y="1058779"/>
-            <a:ext cx="10515600" cy="1699411"/>
+            <a:off x="838200" y="1058780"/>
+            <a:ext cx="10515600" cy="1054834"/>
           </a:xfrm>
         </p:spPr>
         <p:txBody>
@@ -4908,28 +6443,22 @@
                 </a:solidFill>
               </a:rPr>
             </a:br>
-            <a:br>
+            <a:r>
               <a:rPr lang="en-US" b="1" dirty="0">
                 <a:solidFill>
-                  <a:srgbClr val="002060"/>
-                </a:solidFill>
-              </a:rPr>
-            </a:br>
-            <a:r>
-              <a:rPr lang="en-US" b="1" dirty="0">
-                <a:solidFill>
                   <a:srgbClr val="C00000"/>
                 </a:solidFill>
               </a:rPr>
-              <a:t>Potential implications of these AI types in various contexts</a:t>
-            </a:r>
-            <a:br>
-              <a:rPr lang="en-US" b="1" dirty="0">
-                <a:solidFill>
-                  <a:srgbClr val="002060"/>
-                </a:solidFill>
-              </a:rPr>
-            </a:br>
+              <a:t>Narrow AI </a:t>
+            </a:r>
+            <a:r>
+              <a:rPr lang="en-IN" b="1" dirty="0">
+                <a:solidFill>
+                  <a:srgbClr val="C00000"/>
+                </a:solidFill>
+              </a:rPr>
+              <a:t>Limitations</a:t>
+            </a:r>
             <a:br>
               <a:rPr lang="en-IN" b="1" dirty="0">
                 <a:solidFill>
@@ -4978,7 +6507,7 @@
           <p:cNvPr id="4" name="Content Placeholder 3">
             <a:extLst>
               <a:ext uri="{FF2B5EF4-FFF2-40B4-BE49-F238E27FC236}">
-                <a16:creationId xmlns:a16="http://schemas.microsoft.com/office/drawing/2014/main" id="{E194B890-CCF3-51B3-BF93-54380580872A}"/>
+                <a16:creationId xmlns:a16="http://schemas.microsoft.com/office/drawing/2014/main" id="{70ABD4D6-64C4-3ED4-BC50-DB17D77659C7}"/>
               </a:ext>
             </a:extLst>
           </p:cNvPr>
@@ -4991,22 +6520,129 @@
         </p:nvSpPr>
         <p:spPr>
           <a:xfrm>
-            <a:off x="838200" y="2353456"/>
-            <a:ext cx="10515600" cy="3823507"/>
+            <a:off x="838200" y="1768839"/>
+            <a:ext cx="10515600" cy="4030381"/>
           </a:xfrm>
         </p:spPr>
         <p:txBody>
           <a:bodyPr/>
           <a:lstStyle/>
           <a:p>
-            <a:endParaRPr lang="en-IN" dirty="0"/>
+            <a:pPr marL="0" indent="0">
+              <a:buNone/>
+            </a:pPr>
+            <a:r>
+              <a:rPr lang="en-US" sz="2400" b="1" dirty="0">
+                <a:solidFill>
+                  <a:srgbClr val="FF0000"/>
+                </a:solidFill>
+              </a:rPr>
+              <a:t>Lack of Generalization: </a:t>
+            </a:r>
+            <a:r>
+              <a:rPr lang="en-US" sz="2400" dirty="0">
+                <a:solidFill>
+                  <a:srgbClr val="002060"/>
+                </a:solidFill>
+              </a:rPr>
+              <a:t>Cannot transfer knowledge across domains or adapt to new tasks.</a:t>
+            </a:r>
+          </a:p>
+          <a:p>
+            <a:pPr marL="0" indent="0">
+              <a:buNone/>
+            </a:pPr>
+            <a:r>
+              <a:rPr lang="en-US" sz="2400" b="1" dirty="0">
+                <a:solidFill>
+                  <a:srgbClr val="FF0000"/>
+                </a:solidFill>
+              </a:rPr>
+              <a:t>Data Dependency: </a:t>
+            </a:r>
+            <a:r>
+              <a:rPr lang="en-US" sz="2400" dirty="0">
+                <a:solidFill>
+                  <a:srgbClr val="002060"/>
+                </a:solidFill>
+              </a:rPr>
+              <a:t>Heavily reliant on high-quality, domain-specific training data.</a:t>
+            </a:r>
+          </a:p>
+          <a:p>
+            <a:pPr marL="0" indent="0">
+              <a:buNone/>
+            </a:pPr>
+            <a:r>
+              <a:rPr lang="en-US" sz="2400" b="1" dirty="0">
+                <a:solidFill>
+                  <a:srgbClr val="FF0000"/>
+                </a:solidFill>
+              </a:rPr>
+              <a:t>No Self-Awareness: </a:t>
+            </a:r>
+            <a:r>
+              <a:rPr lang="en-US" sz="2400" dirty="0">
+                <a:solidFill>
+                  <a:srgbClr val="002060"/>
+                </a:solidFill>
+              </a:rPr>
+              <a:t>Operates without consciousness or understanding.</a:t>
+            </a:r>
+          </a:p>
+          <a:p>
+            <a:pPr marL="0" indent="0">
+              <a:buNone/>
+            </a:pPr>
+            <a:r>
+              <a:rPr lang="en-US" sz="2400" b="1" dirty="0">
+                <a:solidFill>
+                  <a:srgbClr val="FF0000"/>
+                </a:solidFill>
+              </a:rPr>
+              <a:t>Context Blindness: </a:t>
+            </a:r>
+            <a:r>
+              <a:rPr lang="en-US" sz="2400" dirty="0">
+                <a:solidFill>
+                  <a:srgbClr val="002060"/>
+                </a:solidFill>
+              </a:rPr>
+              <a:t>Struggles with nuance, ambiguity, and emotional intelligence.</a:t>
+            </a:r>
+          </a:p>
+          <a:p>
+            <a:pPr marL="0" indent="0">
+              <a:buNone/>
+            </a:pPr>
+            <a:r>
+              <a:rPr lang="en-US" sz="2400" b="1" dirty="0">
+                <a:solidFill>
+                  <a:srgbClr val="FF0000"/>
+                </a:solidFill>
+              </a:rPr>
+              <a:t>Ethical Constraints: </a:t>
+            </a:r>
+            <a:r>
+              <a:rPr lang="en-US" sz="2400" dirty="0">
+                <a:solidFill>
+                  <a:srgbClr val="002060"/>
+                </a:solidFill>
+              </a:rPr>
+              <a:t>Can reinforce biases if trained on flawed datasets</a:t>
+            </a:r>
+            <a:endParaRPr lang="en-IN" dirty="0">
+              <a:solidFill>
+                <a:srgbClr val="002060"/>
+              </a:solidFill>
+            </a:endParaRPr>
           </a:p>
         </p:txBody>
       </p:sp>
     </p:spTree>
     <p:extLst>
       <p:ext uri="{BB962C8B-B14F-4D97-AF65-F5344CB8AC3E}">
-        <p14:creationId xmlns:p14="http://schemas.microsoft.com/office/powerpoint/2010/main" val="1637126300"/>
+        <p14:creationId xmlns:p14="http://schemas.microsoft.com/office/powerpoint/2010/main" val="698113518"/>
       </p:ext>
     </p:extLst>
   </p:cSld>
@@ -5016,7 +6652,7 @@
 </p:sld>
 </file>
 
-<file path=ppt/slides/slide7.xml><?xml version="1.0" encoding="utf-8"?>
+<file path=ppt/slides/slide9.xml><?xml version="1.0" encoding="utf-8"?>
 <p:sld xmlns:a="http://schemas.openxmlformats.org/drawingml/2006/main" xmlns:r="http://schemas.openxmlformats.org/officeDocument/2006/relationships" xmlns:p="http://schemas.openxmlformats.org/presentationml/2006/main">
   <p:cSld>
     <p:spTree>
@@ -5024,7 +6660,7 @@
         <p:cNvPr id="1" name="">
           <a:extLst>
             <a:ext uri="{FF2B5EF4-FFF2-40B4-BE49-F238E27FC236}">
-              <a16:creationId xmlns:a16="http://schemas.microsoft.com/office/drawing/2014/main" id="{08F020C8-C696-8712-6B14-34CA50EE353A}"/>
+              <a16:creationId xmlns:a16="http://schemas.microsoft.com/office/drawing/2014/main" id="{2F7F392B-9609-B030-CC3F-398BE9B74B4F}"/>
             </a:ext>
           </a:extLst>
         </p:cNvPr>
@@ -5044,7 +6680,7 @@
           <p:cNvPr id="9" name="Picture 8">
             <a:extLst>
               <a:ext uri="{FF2B5EF4-FFF2-40B4-BE49-F238E27FC236}">
-                <a16:creationId xmlns:a16="http://schemas.microsoft.com/office/drawing/2014/main" id="{7CC4CBFF-7920-70C0-A06E-0C70678C0D18}"/>
+                <a16:creationId xmlns:a16="http://schemas.microsoft.com/office/drawing/2014/main" id="{D53E982F-7CE4-F770-5FF3-0AE64CDE2BD4}"/>
               </a:ext>
             </a:extLst>
           </p:cNvPr>
@@ -5080,7 +6716,7 @@
           <p:cNvPr id="12" name="Title 11">
             <a:extLst>
               <a:ext uri="{FF2B5EF4-FFF2-40B4-BE49-F238E27FC236}">
-                <a16:creationId xmlns:a16="http://schemas.microsoft.com/office/drawing/2014/main" id="{25BED996-97FE-4465-A247-9E0741B69D7B}"/>
+                <a16:creationId xmlns:a16="http://schemas.microsoft.com/office/drawing/2014/main" id="{E89011ED-7F2F-B571-C2BA-A17FCD1DF423}"/>
               </a:ext>
             </a:extLst>
           </p:cNvPr>
@@ -5093,22 +6729,95 @@
         </p:nvSpPr>
         <p:spPr>
           <a:xfrm>
-            <a:off x="838200" y="1058779"/>
-            <a:ext cx="10515600" cy="1411703"/>
+            <a:off x="838200" y="1058780"/>
+            <a:ext cx="10515600" cy="1054834"/>
           </a:xfrm>
         </p:spPr>
         <p:txBody>
-          <a:bodyPr/>
+          <a:bodyPr>
+            <a:normAutofit fontScale="90000"/>
+          </a:bodyPr>
           <a:lstStyle/>
           <a:p>
-            <a:r>
+            <a:br>
               <a:rPr lang="en-US" b="1" dirty="0">
                 <a:solidFill>
-                  <a:srgbClr val="FF0000"/>
-                </a:solidFill>
-              </a:rPr>
-              <a:t>Thank You</a:t>
-            </a:r>
+                  <a:srgbClr val="002060"/>
+                </a:solidFill>
+              </a:rPr>
+            </a:br>
+            <a:br>
+              <a:rPr lang="en-US" b="1" dirty="0">
+                <a:solidFill>
+                  <a:srgbClr val="002060"/>
+                </a:solidFill>
+              </a:rPr>
+            </a:br>
+            <a:br>
+              <a:rPr lang="en-US" b="1" dirty="0">
+                <a:solidFill>
+                  <a:srgbClr val="002060"/>
+                </a:solidFill>
+              </a:rPr>
+            </a:br>
+            <a:br>
+              <a:rPr lang="en-US" b="1" dirty="0">
+                <a:solidFill>
+                  <a:srgbClr val="002060"/>
+                </a:solidFill>
+              </a:rPr>
+            </a:br>
+            <a:r>
+              <a:rPr lang="en-US" b="1" dirty="0">
+                <a:solidFill>
+                  <a:srgbClr val="C00000"/>
+                </a:solidFill>
+              </a:rPr>
+              <a:t>General AI </a:t>
+            </a:r>
+            <a:r>
+              <a:rPr lang="en-IN" b="1" dirty="0">
+                <a:solidFill>
+                  <a:srgbClr val="C00000"/>
+                </a:solidFill>
+              </a:rPr>
+              <a:t>Capabilities</a:t>
+            </a:r>
+            <a:br>
+              <a:rPr lang="en-IN" b="1" dirty="0">
+                <a:solidFill>
+                  <a:srgbClr val="002060"/>
+                </a:solidFill>
+              </a:rPr>
+            </a:br>
+            <a:br>
+              <a:rPr lang="en-IN" b="1" dirty="0">
+                <a:solidFill>
+                  <a:srgbClr val="002060"/>
+                </a:solidFill>
+              </a:rPr>
+            </a:br>
+            <a:br>
+              <a:rPr lang="en-IN" b="1" dirty="0">
+                <a:solidFill>
+                  <a:srgbClr val="002060"/>
+                </a:solidFill>
+              </a:rPr>
+            </a:br>
+            <a:br>
+              <a:rPr lang="en-US" dirty="0">
+                <a:solidFill>
+                  <a:srgbClr val="002060"/>
+                </a:solidFill>
+              </a:rPr>
+            </a:br>
+            <a:br>
+              <a:rPr lang="en-US" dirty="0">
+                <a:solidFill>
+                  <a:srgbClr val="002060"/>
+                </a:solidFill>
+              </a:rPr>
+            </a:br>
             <a:endParaRPr lang="en-IN" b="1" dirty="0">
               <a:solidFill>
                 <a:srgbClr val="FF0000"/>
@@ -5117,10 +6826,126 @@
           </a:p>
         </p:txBody>
       </p:sp>
+      <p:sp>
+        <p:nvSpPr>
+          <p:cNvPr id="4" name="Content Placeholder 3">
+            <a:extLst>
+              <a:ext uri="{FF2B5EF4-FFF2-40B4-BE49-F238E27FC236}">
+                <a16:creationId xmlns:a16="http://schemas.microsoft.com/office/drawing/2014/main" id="{751AED49-CAC0-A2C3-7AA4-35441ABB2051}"/>
+              </a:ext>
+            </a:extLst>
+          </p:cNvPr>
+          <p:cNvSpPr>
+            <a:spLocks noGrp="1"/>
+          </p:cNvSpPr>
+          <p:nvPr>
+            <p:ph idx="1"/>
+          </p:nvPr>
+        </p:nvSpPr>
+        <p:spPr>
+          <a:xfrm>
+            <a:off x="838200" y="1768839"/>
+            <a:ext cx="10515600" cy="4030381"/>
+          </a:xfrm>
+        </p:spPr>
+        <p:txBody>
+          <a:bodyPr/>
+          <a:lstStyle/>
+          <a:p>
+            <a:pPr marL="0" indent="0">
+              <a:buNone/>
+            </a:pPr>
+            <a:r>
+              <a:rPr lang="en-US" sz="2400" b="1" dirty="0">
+                <a:solidFill>
+                  <a:srgbClr val="FF0000"/>
+                </a:solidFill>
+              </a:rPr>
+              <a:t>Human-Like Reasoning: </a:t>
+            </a:r>
+            <a:r>
+              <a:rPr lang="en-US" sz="2400" dirty="0">
+                <a:solidFill>
+                  <a:srgbClr val="002060"/>
+                </a:solidFill>
+              </a:rPr>
+              <a:t>Capable of abstract thinking, problem-solving, and learning across domains.</a:t>
+            </a:r>
+          </a:p>
+          <a:p>
+            <a:pPr marL="0" indent="0">
+              <a:buNone/>
+            </a:pPr>
+            <a:r>
+              <a:rPr lang="en-US" sz="2400" b="1" dirty="0">
+                <a:solidFill>
+                  <a:srgbClr val="FF0000"/>
+                </a:solidFill>
+              </a:rPr>
+              <a:t>Adaptability: </a:t>
+            </a:r>
+            <a:r>
+              <a:rPr lang="en-US" sz="2400" dirty="0">
+                <a:solidFill>
+                  <a:srgbClr val="002060"/>
+                </a:solidFill>
+              </a:rPr>
+              <a:t>Learns from minimal data and applies knowledge to unfamiliar situations.</a:t>
+            </a:r>
+          </a:p>
+          <a:p>
+            <a:pPr marL="0" indent="0">
+              <a:buNone/>
+            </a:pPr>
+            <a:r>
+              <a:rPr lang="en-US" sz="2400" b="1" dirty="0">
+                <a:solidFill>
+                  <a:srgbClr val="FF0000"/>
+                </a:solidFill>
+              </a:rPr>
+              <a:t>Autonomy: </a:t>
+            </a:r>
+            <a:r>
+              <a:rPr lang="en-US" sz="2400" dirty="0">
+                <a:solidFill>
+                  <a:srgbClr val="002060"/>
+                </a:solidFill>
+              </a:rPr>
+              <a:t>Makes decisions independently, potentially with self-awareness.</a:t>
+            </a:r>
+          </a:p>
+          <a:p>
+            <a:pPr marL="0" indent="0">
+              <a:buNone/>
+            </a:pPr>
+            <a:r>
+              <a:rPr lang="en-US" sz="2400" b="1" dirty="0">
+                <a:solidFill>
+                  <a:srgbClr val="FF0000"/>
+                </a:solidFill>
+              </a:rPr>
+              <a:t>Creativity &amp; Emotion: </a:t>
+            </a:r>
+            <a:r>
+              <a:rPr lang="en-US" sz="2400" dirty="0">
+                <a:solidFill>
+                  <a:srgbClr val="002060"/>
+                </a:solidFill>
+              </a:rPr>
+              <a:t>Understands context, emotions, and can generate original ideas.</a:t>
+            </a:r>
+            <a:endParaRPr lang="en-IN" dirty="0">
+              <a:solidFill>
+                <a:srgbClr val="002060"/>
+              </a:solidFill>
+            </a:endParaRPr>
+          </a:p>
+        </p:txBody>
+      </p:sp>
     </p:spTree>
     <p:extLst>
       <p:ext uri="{BB962C8B-B14F-4D97-AF65-F5344CB8AC3E}">
-        <p14:creationId xmlns:p14="http://schemas.microsoft.com/office/powerpoint/2010/main" val="1263864946"/>
+        <p14:creationId xmlns:p14="http://schemas.microsoft.com/office/powerpoint/2010/main" val="4187359550"/>
       </p:ext>
     </p:extLst>
   </p:cSld>
